--- a/docs/ppt.pptx
+++ b/docs/ppt.pptx
@@ -18,27 +18,28 @@
     <p:sldId id="263" r:id="rId13"/>
     <p:sldId id="264" r:id="rId14"/>
     <p:sldId id="265" r:id="rId15"/>
+    <p:sldId id="266" r:id="rId16"/>
   </p:sldIdLst>
   <p:sldSz cy="5143500" cx="9144000"/>
   <p:notesSz cx="6858000" cy="9144000"/>
   <p:embeddedFontLst>
     <p:embeddedFont>
       <p:font typeface="Proxima Nova"/>
-      <p:regular r:id="rId16"/>
-      <p:bold r:id="rId17"/>
-      <p:italic r:id="rId18"/>
-      <p:boldItalic r:id="rId19"/>
+      <p:regular r:id="rId17"/>
+      <p:bold r:id="rId18"/>
+      <p:italic r:id="rId19"/>
+      <p:boldItalic r:id="rId20"/>
     </p:embeddedFont>
     <p:embeddedFont>
       <p:font typeface="Nunito"/>
-      <p:regular r:id="rId20"/>
-      <p:bold r:id="rId21"/>
-      <p:italic r:id="rId22"/>
-      <p:boldItalic r:id="rId23"/>
+      <p:regular r:id="rId21"/>
+      <p:bold r:id="rId22"/>
+      <p:italic r:id="rId23"/>
+      <p:boldItalic r:id="rId24"/>
     </p:embeddedFont>
     <p:embeddedFont>
       <p:font typeface="Alfa Slab One"/>
-      <p:regular r:id="rId24"/>
+      <p:regular r:id="rId25"/>
     </p:embeddedFont>
   </p:embeddedFontLst>
   <p:defaultTextStyle>
@@ -833,7 +834,7 @@
       </p:grpSpPr>
       <p:sp>
         <p:nvSpPr>
-          <p:cNvPr id="132" name="Google Shape;132;g975785ade1_0_131:notes"/>
+          <p:cNvPr id="132" name="Google Shape;132;ga4243043fa_0_6:notes"/>
           <p:cNvSpPr/>
           <p:nvPr>
             <p:ph idx="2" type="sldImg"/>
@@ -868,7 +869,106 @@
       </p:sp>
       <p:sp>
         <p:nvSpPr>
-          <p:cNvPr id="133" name="Google Shape;133;g975785ade1_0_131:notes"/>
+          <p:cNvPr id="133" name="Google Shape;133;ga4243043fa_0_6:notes"/>
+          <p:cNvSpPr txBox="1"/>
+          <p:nvPr>
+            <p:ph idx="1" type="body"/>
+          </p:nvPr>
+        </p:nvSpPr>
+        <p:spPr>
+          <a:xfrm>
+            <a:off x="685800" y="4343400"/>
+            <a:ext cx="5486400" cy="4114800"/>
+          </a:xfrm>
+          <a:prstGeom prst="rect">
+            <a:avLst/>
+          </a:prstGeom>
+        </p:spPr>
+        <p:txBody>
+          <a:bodyPr anchorCtr="0" anchor="t" bIns="91425" lIns="91425" spcFirstLastPara="1" rIns="91425" wrap="square" tIns="91425">
+            <a:noAutofit/>
+          </a:bodyPr>
+          <a:lstStyle/>
+          <a:p>
+            <a:pPr indent="0" lvl="0" marL="0" rtl="0" algn="l">
+              <a:spcBef>
+                <a:spcPts val="0"/>
+              </a:spcBef>
+              <a:spcAft>
+                <a:spcPts val="0"/>
+              </a:spcAft>
+              <a:buNone/>
+            </a:pPr>
+            <a:r>
+              <a:t/>
+            </a:r>
+            <a:endParaRPr/>
+          </a:p>
+        </p:txBody>
+      </p:sp>
+    </p:spTree>
+  </p:cSld>
+  <p:clrMapOvr>
+    <a:masterClrMapping/>
+  </p:clrMapOvr>
+</p:notes>
+</file>
+
+<file path=ppt/notesSlides/notesSlide11.xml><?xml version="1.0" encoding="utf-8"?>
+<p:notes xmlns:a="http://schemas.openxmlformats.org/drawingml/2006/main" xmlns:r="http://schemas.openxmlformats.org/officeDocument/2006/relationships" xmlns:mc="http://schemas.openxmlformats.org/markup-compatibility/2006" xmlns:mv="urn:schemas-microsoft-com:mac:vml" xmlns:p="http://schemas.openxmlformats.org/presentationml/2006/main" xmlns:c="http://schemas.openxmlformats.org/drawingml/2006/chart" xmlns:dgm="http://schemas.openxmlformats.org/drawingml/2006/diagram" xmlns:o="urn:schemas-microsoft-com:office:office" xmlns:v="urn:schemas-microsoft-com:vml" xmlns:pvml="urn:schemas-microsoft-com:office:powerpoint" xmlns:com="http://schemas.openxmlformats.org/drawingml/2006/compatibility" xmlns:p14="http://schemas.microsoft.com/office/powerpoint/2010/main" xmlns:p15="http://schemas.microsoft.com/office/powerpoint/2012/main" xmlns:ahyp="http://schemas.microsoft.com/office/drawing/2018/hyperlinkcolor" showMasterPhAnim="0" showMasterSp="0">
+  <p:cSld>
+    <p:spTree>
+      <p:nvGrpSpPr>
+        <p:cNvPr id="138" name="Shape 138"/>
+        <p:cNvGrpSpPr/>
+        <p:nvPr/>
+      </p:nvGrpSpPr>
+      <p:grpSpPr>
+        <a:xfrm>
+          <a:off x="0" y="0"/>
+          <a:ext cx="0" cy="0"/>
+          <a:chOff x="0" y="0"/>
+          <a:chExt cx="0" cy="0"/>
+        </a:xfrm>
+      </p:grpSpPr>
+      <p:sp>
+        <p:nvSpPr>
+          <p:cNvPr id="139" name="Google Shape;139;g975785ade1_0_131:notes"/>
+          <p:cNvSpPr/>
+          <p:nvPr>
+            <p:ph idx="2" type="sldImg"/>
+          </p:nvPr>
+        </p:nvSpPr>
+        <p:spPr>
+          <a:xfrm>
+            <a:off x="381300" y="685800"/>
+            <a:ext cx="6096000" cy="3429000"/>
+          </a:xfrm>
+          <a:custGeom>
+            <a:rect b="b" l="l" r="r" t="t"/>
+            <a:pathLst>
+              <a:path extrusionOk="0" h="120000" w="120000">
+                <a:moveTo>
+                  <a:pt x="0" y="0"/>
+                </a:moveTo>
+                <a:lnTo>
+                  <a:pt x="120000" y="0"/>
+                </a:lnTo>
+                <a:lnTo>
+                  <a:pt x="120000" y="120000"/>
+                </a:lnTo>
+                <a:lnTo>
+                  <a:pt x="0" y="120000"/>
+                </a:lnTo>
+                <a:close/>
+              </a:path>
+            </a:pathLst>
+          </a:custGeom>
+        </p:spPr>
+      </p:sp>
+      <p:sp>
+        <p:nvSpPr>
+          <p:cNvPr id="140" name="Google Shape;140;g975785ade1_0_131:notes"/>
           <p:cNvSpPr txBox="1"/>
           <p:nvPr>
             <p:ph idx="1" type="body"/>
@@ -1427,7 +1527,7 @@
       </p:grpSpPr>
       <p:sp>
         <p:nvSpPr>
-          <p:cNvPr id="109" name="Google Shape;109;g975785ade1_0_182:notes"/>
+          <p:cNvPr id="109" name="Google Shape;109;g9d66a087e9_0_0:notes"/>
           <p:cNvSpPr/>
           <p:nvPr>
             <p:ph idx="2" type="sldImg"/>
@@ -1462,7 +1562,7 @@
       </p:sp>
       <p:sp>
         <p:nvSpPr>
-          <p:cNvPr id="110" name="Google Shape;110;g975785ade1_0_182:notes"/>
+          <p:cNvPr id="110" name="Google Shape;110;g9d66a087e9_0_0:notes"/>
           <p:cNvSpPr txBox="1"/>
           <p:nvPr>
             <p:ph idx="1" type="body"/>
@@ -1512,7 +1612,7 @@
   <p:cSld>
     <p:spTree>
       <p:nvGrpSpPr>
-        <p:cNvPr id="116" name="Shape 116"/>
+        <p:cNvPr id="115" name="Shape 115"/>
         <p:cNvGrpSpPr/>
         <p:nvPr/>
       </p:nvGrpSpPr>
@@ -1526,7 +1626,7 @@
       </p:grpSpPr>
       <p:sp>
         <p:nvSpPr>
-          <p:cNvPr id="117" name="Google Shape;117;g975785ade1_0_194:notes"/>
+          <p:cNvPr id="116" name="Google Shape;116;g975785ade1_0_182:notes"/>
           <p:cNvSpPr/>
           <p:nvPr>
             <p:ph idx="2" type="sldImg"/>
@@ -1561,7 +1661,7 @@
       </p:sp>
       <p:sp>
         <p:nvSpPr>
-          <p:cNvPr id="118" name="Google Shape;118;g975785ade1_0_194:notes"/>
+          <p:cNvPr id="117" name="Google Shape;117;g975785ade1_0_182:notes"/>
           <p:cNvSpPr txBox="1"/>
           <p:nvPr>
             <p:ph idx="1" type="body"/>
@@ -1611,7 +1711,7 @@
   <p:cSld>
     <p:spTree>
       <p:nvGrpSpPr>
-        <p:cNvPr id="124" name="Shape 124"/>
+        <p:cNvPr id="123" name="Shape 123"/>
         <p:cNvGrpSpPr/>
         <p:nvPr/>
       </p:nvGrpSpPr>
@@ -1625,7 +1725,7 @@
       </p:grpSpPr>
       <p:sp>
         <p:nvSpPr>
-          <p:cNvPr id="125" name="Google Shape;125;ga4243043fa_0_6:notes"/>
+          <p:cNvPr id="124" name="Google Shape;124;g975785ade1_0_194:notes"/>
           <p:cNvSpPr/>
           <p:nvPr>
             <p:ph idx="2" type="sldImg"/>
@@ -1660,7 +1760,7 @@
       </p:sp>
       <p:sp>
         <p:nvSpPr>
-          <p:cNvPr id="126" name="Google Shape;126;ga4243043fa_0_6:notes"/>
+          <p:cNvPr id="125" name="Google Shape;125;g975785ade1_0_194:notes"/>
           <p:cNvSpPr txBox="1"/>
           <p:nvPr>
             <p:ph idx="1" type="body"/>
@@ -7100,6 +7200,216 @@
         <p:nvSpPr>
           <p:cNvPr id="135" name="Google Shape;135;p22"/>
           <p:cNvSpPr txBox="1"/>
+          <p:nvPr>
+            <p:ph type="title"/>
+          </p:nvPr>
+        </p:nvSpPr>
+        <p:spPr>
+          <a:xfrm>
+            <a:off x="159300" y="368825"/>
+            <a:ext cx="8520600" cy="572700"/>
+          </a:xfrm>
+          <a:prstGeom prst="rect">
+            <a:avLst/>
+          </a:prstGeom>
+        </p:spPr>
+        <p:txBody>
+          <a:bodyPr anchorCtr="0" anchor="t" bIns="91425" lIns="91425" spcFirstLastPara="1" rIns="91425" wrap="square" tIns="91425">
+            <a:noAutofit/>
+          </a:bodyPr>
+          <a:lstStyle/>
+          <a:p>
+            <a:pPr indent="0" lvl="0" marL="0" rtl="0" algn="ctr">
+              <a:spcBef>
+                <a:spcPts val="0"/>
+              </a:spcBef>
+              <a:spcAft>
+                <a:spcPts val="0"/>
+              </a:spcAft>
+              <a:buNone/>
+            </a:pPr>
+            <a:r>
+              <a:rPr lang="en"/>
+              <a:t>Idea Extension</a:t>
+            </a:r>
+            <a:endParaRPr/>
+          </a:p>
+        </p:txBody>
+      </p:sp>
+      <p:sp>
+        <p:nvSpPr>
+          <p:cNvPr id="136" name="Google Shape;136;p22"/>
+          <p:cNvSpPr txBox="1"/>
+          <p:nvPr>
+            <p:ph idx="1" type="body"/>
+          </p:nvPr>
+        </p:nvSpPr>
+        <p:spPr>
+          <a:xfrm>
+            <a:off x="503600" y="1399425"/>
+            <a:ext cx="8023800" cy="2920200"/>
+          </a:xfrm>
+          <a:prstGeom prst="rect">
+            <a:avLst/>
+          </a:prstGeom>
+        </p:spPr>
+        <p:txBody>
+          <a:bodyPr anchorCtr="0" anchor="t" bIns="91425" lIns="91425" spcFirstLastPara="1" rIns="91425" wrap="square" tIns="91425">
+            <a:noAutofit/>
+          </a:bodyPr>
+          <a:lstStyle/>
+          <a:p>
+            <a:pPr indent="0" lvl="0" marL="0" rtl="0" algn="l">
+              <a:spcBef>
+                <a:spcPts val="0"/>
+              </a:spcBef>
+              <a:spcAft>
+                <a:spcPts val="0"/>
+              </a:spcAft>
+              <a:buNone/>
+            </a:pPr>
+            <a:r>
+              <a:t/>
+            </a:r>
+            <a:endParaRPr sz="1400"/>
+          </a:p>
+          <a:p>
+            <a:pPr indent="0" lvl="0" marL="0" rtl="0" algn="l">
+              <a:lnSpc>
+                <a:spcPct val="150000"/>
+              </a:lnSpc>
+              <a:spcBef>
+                <a:spcPts val="1600"/>
+              </a:spcBef>
+              <a:spcAft>
+                <a:spcPts val="0"/>
+              </a:spcAft>
+              <a:buNone/>
+            </a:pPr>
+            <a:r>
+              <a:rPr lang="en" sz="1400">
+                <a:solidFill>
+                  <a:srgbClr val="000000"/>
+                </a:solidFill>
+                <a:highlight>
+                  <a:srgbClr val="FFFFFF"/>
+                </a:highlight>
+              </a:rPr>
+              <a:t>Build an electron cross platform desktop app which is very helpful for corporate employees/students as a one stop solution for messaging, document collaboration, file sharing etc.. </a:t>
+            </a:r>
+            <a:endParaRPr sz="1400">
+              <a:solidFill>
+                <a:srgbClr val="000000"/>
+              </a:solidFill>
+              <a:highlight>
+                <a:srgbClr val="FFFFFF"/>
+              </a:highlight>
+            </a:endParaRPr>
+          </a:p>
+          <a:p>
+            <a:pPr indent="0" lvl="0" marL="0" rtl="0" algn="l">
+              <a:lnSpc>
+                <a:spcPct val="150000"/>
+              </a:lnSpc>
+              <a:spcBef>
+                <a:spcPts val="0"/>
+              </a:spcBef>
+              <a:spcAft>
+                <a:spcPts val="0"/>
+              </a:spcAft>
+              <a:buNone/>
+            </a:pPr>
+            <a:r>
+              <a:rPr lang="en" sz="1400">
+                <a:solidFill>
+                  <a:srgbClr val="000000"/>
+                </a:solidFill>
+                <a:highlight>
+                  <a:srgbClr val="FFFFFF"/>
+                </a:highlight>
+              </a:rPr>
+              <a:t>Instead of having 3-4 desktop apps for each purpose, you can have a single app consisting of all weavy's features which is a lot less development time, cross platform ready and easy to use.</a:t>
+            </a:r>
+            <a:endParaRPr sz="1400">
+              <a:solidFill>
+                <a:srgbClr val="000000"/>
+              </a:solidFill>
+              <a:highlight>
+                <a:srgbClr val="FFFFFF"/>
+              </a:highlight>
+            </a:endParaRPr>
+          </a:p>
+        </p:txBody>
+      </p:sp>
+      <p:sp>
+        <p:nvSpPr>
+          <p:cNvPr id="137" name="Google Shape;137;p22"/>
+          <p:cNvSpPr txBox="1"/>
+          <p:nvPr>
+            <p:ph idx="12" type="sldNum"/>
+          </p:nvPr>
+        </p:nvSpPr>
+        <p:spPr>
+          <a:xfrm>
+            <a:off x="8472458" y="4663217"/>
+            <a:ext cx="548700" cy="393600"/>
+          </a:xfrm>
+          <a:prstGeom prst="rect">
+            <a:avLst/>
+          </a:prstGeom>
+        </p:spPr>
+        <p:txBody>
+          <a:bodyPr anchorCtr="0" anchor="ctr" bIns="91425" lIns="91425" spcFirstLastPara="1" rIns="91425" wrap="square" tIns="91425">
+            <a:noAutofit/>
+          </a:bodyPr>
+          <a:lstStyle/>
+          <a:p>
+            <a:pPr indent="0" lvl="0" marL="0" rtl="0" algn="r">
+              <a:spcBef>
+                <a:spcPts val="0"/>
+              </a:spcBef>
+              <a:spcAft>
+                <a:spcPts val="0"/>
+              </a:spcAft>
+              <a:buNone/>
+            </a:pPr>
+            <a:fld id="{00000000-1234-1234-1234-123412341234}" type="slidenum">
+              <a:rPr lang="en"/>
+              <a:t>‹#›</a:t>
+            </a:fld>
+            <a:endParaRPr/>
+          </a:p>
+        </p:txBody>
+      </p:sp>
+    </p:spTree>
+  </p:cSld>
+  <p:clrMapOvr>
+    <a:masterClrMapping/>
+  </p:clrMapOvr>
+</p:sld>
+</file>
+
+<file path=ppt/slides/slide11.xml><?xml version="1.0" encoding="utf-8"?>
+<p:sld xmlns:a="http://schemas.openxmlformats.org/drawingml/2006/main" xmlns:r="http://schemas.openxmlformats.org/officeDocument/2006/relationships" xmlns:mc="http://schemas.openxmlformats.org/markup-compatibility/2006" xmlns:mv="urn:schemas-microsoft-com:mac:vml" xmlns:p="http://schemas.openxmlformats.org/presentationml/2006/main" xmlns:c="http://schemas.openxmlformats.org/drawingml/2006/chart" xmlns:dgm="http://schemas.openxmlformats.org/drawingml/2006/diagram" xmlns:o="urn:schemas-microsoft-com:office:office" xmlns:v="urn:schemas-microsoft-com:vml" xmlns:pvml="urn:schemas-microsoft-com:office:powerpoint" xmlns:com="http://schemas.openxmlformats.org/drawingml/2006/compatibility" xmlns:p14="http://schemas.microsoft.com/office/powerpoint/2010/main" xmlns:p15="http://schemas.microsoft.com/office/powerpoint/2012/main" xmlns:ahyp="http://schemas.microsoft.com/office/drawing/2018/hyperlinkcolor">
+  <p:cSld>
+    <p:spTree>
+      <p:nvGrpSpPr>
+        <p:cNvPr id="141" name="Shape 141"/>
+        <p:cNvGrpSpPr/>
+        <p:nvPr/>
+      </p:nvGrpSpPr>
+      <p:grpSpPr>
+        <a:xfrm>
+          <a:off x="0" y="0"/>
+          <a:ext cx="0" cy="0"/>
+          <a:chOff x="0" y="0"/>
+          <a:chExt cx="0" cy="0"/>
+        </a:xfrm>
+      </p:grpSpPr>
+      <p:sp>
+        <p:nvSpPr>
+          <p:cNvPr id="142" name="Google Shape;142;p23"/>
+          <p:cNvSpPr txBox="1"/>
           <p:nvPr/>
         </p:nvSpPr>
         <p:spPr>
@@ -7180,7 +7490,7 @@
       </p:sp>
       <p:sp>
         <p:nvSpPr>
-          <p:cNvPr id="136" name="Google Shape;136;p22"/>
+          <p:cNvPr id="143" name="Google Shape;143;p23"/>
           <p:cNvSpPr txBox="1"/>
           <p:nvPr>
             <p:ph idx="12" type="sldNum"/>
@@ -7220,7 +7530,7 @@
       </p:sp>
       <p:sp>
         <p:nvSpPr>
-          <p:cNvPr id="137" name="Google Shape;137;p22"/>
+          <p:cNvPr id="144" name="Google Shape;144;p23"/>
           <p:cNvSpPr txBox="1"/>
           <p:nvPr/>
         </p:nvSpPr>
@@ -9228,20 +9538,20 @@
           <p:cNvPr id="112" name="Google Shape;112;p19"/>
           <p:cNvSpPr txBox="1"/>
           <p:nvPr>
-            <p:ph idx="1" type="body"/>
+            <p:ph type="title"/>
           </p:nvPr>
         </p:nvSpPr>
         <p:spPr>
           <a:xfrm>
-            <a:off x="319500" y="271325"/>
-            <a:ext cx="5998800" cy="598800"/>
+            <a:off x="311700" y="445025"/>
+            <a:ext cx="8520600" cy="572700"/>
           </a:xfrm>
           <a:prstGeom prst="rect">
             <a:avLst/>
           </a:prstGeom>
         </p:spPr>
         <p:txBody>
-          <a:bodyPr anchorCtr="0" anchor="ctr" bIns="91425" lIns="91425" spcFirstLastPara="1" rIns="91425" wrap="square" tIns="91425">
+          <a:bodyPr anchorCtr="0" anchor="t" bIns="91425" lIns="91425" spcFirstLastPara="1" rIns="91425" wrap="square" tIns="91425">
             <a:noAutofit/>
           </a:bodyPr>
           <a:lstStyle/>
@@ -9257,7 +9567,7 @@
             </a:pPr>
             <a:r>
               <a:rPr lang="en"/>
-              <a:t>Extension Screenshots</a:t>
+              <a:t>CODE AND RESOURCES</a:t>
             </a:r>
             <a:endParaRPr/>
           </a:p>
@@ -9268,6 +9578,89 @@
           <p:cNvPr id="113" name="Google Shape;113;p19"/>
           <p:cNvSpPr txBox="1"/>
           <p:nvPr>
+            <p:ph idx="1" type="body"/>
+          </p:nvPr>
+        </p:nvSpPr>
+        <p:spPr>
+          <a:xfrm>
+            <a:off x="311700" y="1152475"/>
+            <a:ext cx="7615200" cy="1151400"/>
+          </a:xfrm>
+          <a:prstGeom prst="rect">
+            <a:avLst/>
+          </a:prstGeom>
+        </p:spPr>
+        <p:txBody>
+          <a:bodyPr anchorCtr="0" anchor="t" bIns="91425" lIns="91425" spcFirstLastPara="1" rIns="91425" wrap="square" tIns="91425">
+            <a:noAutofit/>
+          </a:bodyPr>
+          <a:lstStyle/>
+          <a:p>
+            <a:pPr indent="-317500" lvl="0" marL="457200" rtl="0" algn="l">
+              <a:spcBef>
+                <a:spcPts val="0"/>
+              </a:spcBef>
+              <a:spcAft>
+                <a:spcPts val="0"/>
+              </a:spcAft>
+              <a:buSzPts val="1400"/>
+              <a:buAutoNum type="arabicPeriod"/>
+            </a:pPr>
+            <a:r>
+              <a:rPr lang="en"/>
+              <a:t>Veavy’s Code - </a:t>
+            </a:r>
+            <a:r>
+              <a:rPr lang="en" u="sng">
+                <a:solidFill>
+                  <a:schemeClr val="hlink"/>
+                </a:solidFill>
+                <a:hlinkClick r:id="rId3"/>
+              </a:rPr>
+              <a:t>https://github.com/Better-Boy/veavy-code</a:t>
+            </a:r>
+            <a:endParaRPr/>
+          </a:p>
+          <a:p>
+            <a:pPr indent="-317500" lvl="0" marL="457200" rtl="0" algn="l">
+              <a:spcBef>
+                <a:spcPts val="0"/>
+              </a:spcBef>
+              <a:spcAft>
+                <a:spcPts val="0"/>
+              </a:spcAft>
+              <a:buSzPts val="1400"/>
+              <a:buAutoNum type="arabicPeriod"/>
+            </a:pPr>
+            <a:r>
+              <a:rPr lang="en"/>
+              <a:t>Weavy Server (Custom with few changes) - https://github.com/Better-Boy/veavy-server</a:t>
+            </a:r>
+            <a:endParaRPr/>
+          </a:p>
+          <a:p>
+            <a:pPr indent="0" lvl="0" marL="457200" rtl="0" algn="l">
+              <a:spcBef>
+                <a:spcPts val="1600"/>
+              </a:spcBef>
+              <a:spcAft>
+                <a:spcPts val="1600"/>
+              </a:spcAft>
+              <a:buNone/>
+            </a:pPr>
+            <a:r>
+              <a:rPr lang="en"/>
+              <a:t> </a:t>
+            </a:r>
+            <a:endParaRPr/>
+          </a:p>
+        </p:txBody>
+      </p:sp>
+      <p:sp>
+        <p:nvSpPr>
+          <p:cNvPr id="114" name="Google Shape;114;p19"/>
+          <p:cNvSpPr txBox="1"/>
+          <p:nvPr>
             <p:ph idx="12" type="sldNum"/>
           </p:nvPr>
         </p:nvSpPr>
@@ -9303,62 +9696,6 @@
           </a:p>
         </p:txBody>
       </p:sp>
-      <p:pic>
-        <p:nvPicPr>
-          <p:cNvPr id="114" name="Google Shape;114;p19"/>
-          <p:cNvPicPr preferRelativeResize="0"/>
-          <p:nvPr/>
-        </p:nvPicPr>
-        <p:blipFill>
-          <a:blip r:embed="rId3">
-            <a:alphaModFix/>
-          </a:blip>
-          <a:stretch>
-            <a:fillRect/>
-          </a:stretch>
-        </p:blipFill>
-        <p:spPr>
-          <a:xfrm>
-            <a:off x="152400" y="870125"/>
-            <a:ext cx="4067273" cy="3991926"/>
-          </a:xfrm>
-          <a:prstGeom prst="rect">
-            <a:avLst/>
-          </a:prstGeom>
-          <a:noFill/>
-          <a:ln>
-            <a:noFill/>
-          </a:ln>
-        </p:spPr>
-      </p:pic>
-      <p:pic>
-        <p:nvPicPr>
-          <p:cNvPr id="115" name="Google Shape;115;p19"/>
-          <p:cNvPicPr preferRelativeResize="0"/>
-          <p:nvPr/>
-        </p:nvPicPr>
-        <p:blipFill>
-          <a:blip r:embed="rId4">
-            <a:alphaModFix/>
-          </a:blip>
-          <a:stretch>
-            <a:fillRect/>
-          </a:stretch>
-        </p:blipFill>
-        <p:spPr>
-          <a:xfrm>
-            <a:off x="4752250" y="1221650"/>
-            <a:ext cx="3788499" cy="2879226"/>
-          </a:xfrm>
-          <a:prstGeom prst="rect">
-            <a:avLst/>
-          </a:prstGeom>
-          <a:noFill/>
-          <a:ln>
-            <a:noFill/>
-          </a:ln>
-        </p:spPr>
-      </p:pic>
     </p:spTree>
   </p:cSld>
   <p:clrMapOvr>
@@ -9372,7 +9709,7 @@
   <p:cSld>
     <p:spTree>
       <p:nvGrpSpPr>
-        <p:cNvPr id="119" name="Shape 119"/>
+        <p:cNvPr id="118" name="Shape 118"/>
         <p:cNvGrpSpPr/>
         <p:nvPr/>
       </p:nvGrpSpPr>
@@ -9386,7 +9723,7 @@
       </p:grpSpPr>
       <p:sp>
         <p:nvSpPr>
-          <p:cNvPr id="120" name="Google Shape;120;p20"/>
+          <p:cNvPr id="119" name="Google Shape;119;p20"/>
           <p:cNvSpPr txBox="1"/>
           <p:nvPr>
             <p:ph idx="1" type="body"/>
@@ -9394,7 +9731,7 @@
         </p:nvSpPr>
         <p:spPr>
           <a:xfrm>
-            <a:off x="319500" y="195125"/>
+            <a:off x="319500" y="271325"/>
             <a:ext cx="5998800" cy="598800"/>
           </a:xfrm>
           <a:prstGeom prst="rect">
@@ -9426,7 +9763,7 @@
       </p:sp>
       <p:sp>
         <p:nvSpPr>
-          <p:cNvPr id="121" name="Google Shape;121;p20"/>
+          <p:cNvPr id="120" name="Google Shape;120;p20"/>
           <p:cNvSpPr txBox="1"/>
           <p:nvPr>
             <p:ph idx="12" type="sldNum"/>
@@ -9466,7 +9803,7 @@
       </p:sp>
       <p:pic>
         <p:nvPicPr>
-          <p:cNvPr id="122" name="Google Shape;122;p20"/>
+          <p:cNvPr id="121" name="Google Shape;121;p20"/>
           <p:cNvPicPr preferRelativeResize="0"/>
           <p:nvPr/>
         </p:nvPicPr>
@@ -9480,8 +9817,8 @@
         </p:blipFill>
         <p:spPr>
           <a:xfrm>
-            <a:off x="152400" y="1251125"/>
-            <a:ext cx="4419603" cy="3270077"/>
+            <a:off x="152400" y="870125"/>
+            <a:ext cx="4067273" cy="3991926"/>
           </a:xfrm>
           <a:prstGeom prst="rect">
             <a:avLst/>
@@ -9494,7 +9831,7 @@
       </p:pic>
       <p:pic>
         <p:nvPicPr>
-          <p:cNvPr id="123" name="Google Shape;123;p20"/>
+          <p:cNvPr id="122" name="Google Shape;122;p20"/>
           <p:cNvPicPr preferRelativeResize="0"/>
           <p:nvPr/>
         </p:nvPicPr>
@@ -9508,8 +9845,8 @@
         </p:blipFill>
         <p:spPr>
           <a:xfrm>
-            <a:off x="4924325" y="1327325"/>
-            <a:ext cx="3785423" cy="3007877"/>
+            <a:off x="4752250" y="1221650"/>
+            <a:ext cx="3788499" cy="2879226"/>
           </a:xfrm>
           <a:prstGeom prst="rect">
             <a:avLst/>
@@ -9533,7 +9870,7 @@
   <p:cSld>
     <p:spTree>
       <p:nvGrpSpPr>
-        <p:cNvPr id="127" name="Shape 127"/>
+        <p:cNvPr id="126" name="Shape 126"/>
         <p:cNvGrpSpPr/>
         <p:nvPr/>
       </p:nvGrpSpPr>
@@ -9547,28 +9884,28 @@
       </p:grpSpPr>
       <p:sp>
         <p:nvSpPr>
-          <p:cNvPr id="128" name="Google Shape;128;p21"/>
+          <p:cNvPr id="127" name="Google Shape;127;p21"/>
           <p:cNvSpPr txBox="1"/>
           <p:nvPr>
-            <p:ph type="title"/>
+            <p:ph idx="1" type="body"/>
           </p:nvPr>
         </p:nvSpPr>
         <p:spPr>
           <a:xfrm>
-            <a:off x="159300" y="368825"/>
-            <a:ext cx="8520600" cy="572700"/>
+            <a:off x="319500" y="195125"/>
+            <a:ext cx="5998800" cy="598800"/>
           </a:xfrm>
           <a:prstGeom prst="rect">
             <a:avLst/>
           </a:prstGeom>
         </p:spPr>
         <p:txBody>
-          <a:bodyPr anchorCtr="0" anchor="t" bIns="91425" lIns="91425" spcFirstLastPara="1" rIns="91425" wrap="square" tIns="91425">
+          <a:bodyPr anchorCtr="0" anchor="ctr" bIns="91425" lIns="91425" spcFirstLastPara="1" rIns="91425" wrap="square" tIns="91425">
             <a:noAutofit/>
           </a:bodyPr>
           <a:lstStyle/>
           <a:p>
-            <a:pPr indent="0" lvl="0" marL="0" rtl="0" algn="ctr">
+            <a:pPr indent="0" lvl="0" marL="0" rtl="0" algn="l">
               <a:spcBef>
                 <a:spcPts val="0"/>
               </a:spcBef>
@@ -9579,7 +9916,7 @@
             </a:pPr>
             <a:r>
               <a:rPr lang="en"/>
-              <a:t>Idea Extension</a:t>
+              <a:t>Extension Screenshots</a:t>
             </a:r>
             <a:endParaRPr/>
           </a:p>
@@ -9587,112 +9924,7 @@
       </p:sp>
       <p:sp>
         <p:nvSpPr>
-          <p:cNvPr id="129" name="Google Shape;129;p21"/>
-          <p:cNvSpPr txBox="1"/>
-          <p:nvPr>
-            <p:ph idx="1" type="body"/>
-          </p:nvPr>
-        </p:nvSpPr>
-        <p:spPr>
-          <a:xfrm>
-            <a:off x="503600" y="1399425"/>
-            <a:ext cx="8023800" cy="2920200"/>
-          </a:xfrm>
-          <a:prstGeom prst="rect">
-            <a:avLst/>
-          </a:prstGeom>
-        </p:spPr>
-        <p:txBody>
-          <a:bodyPr anchorCtr="0" anchor="t" bIns="91425" lIns="91425" spcFirstLastPara="1" rIns="91425" wrap="square" tIns="91425">
-            <a:noAutofit/>
-          </a:bodyPr>
-          <a:lstStyle/>
-          <a:p>
-            <a:pPr indent="0" lvl="0" marL="0" rtl="0" algn="l">
-              <a:spcBef>
-                <a:spcPts val="0"/>
-              </a:spcBef>
-              <a:spcAft>
-                <a:spcPts val="0"/>
-              </a:spcAft>
-              <a:buNone/>
-            </a:pPr>
-            <a:r>
-              <a:t/>
-            </a:r>
-            <a:endParaRPr sz="1400"/>
-          </a:p>
-          <a:p>
-            <a:pPr indent="0" lvl="0" marL="0" rtl="0" algn="l">
-              <a:lnSpc>
-                <a:spcPct val="150000"/>
-              </a:lnSpc>
-              <a:spcBef>
-                <a:spcPts val="1600"/>
-              </a:spcBef>
-              <a:spcAft>
-                <a:spcPts val="0"/>
-              </a:spcAft>
-              <a:buNone/>
-            </a:pPr>
-            <a:r>
-              <a:rPr lang="en" sz="1400">
-                <a:solidFill>
-                  <a:srgbClr val="000000"/>
-                </a:solidFill>
-                <a:highlight>
-                  <a:srgbClr val="FFFFFF"/>
-                </a:highlight>
-              </a:rPr>
-              <a:t>Build an electron cross platform desktop app which is very helpful for corporate employees/students as a one stop solution for messaging, document collaboration, file sharing etc.. </a:t>
-            </a:r>
-            <a:endParaRPr sz="1400">
-              <a:solidFill>
-                <a:srgbClr val="000000"/>
-              </a:solidFill>
-              <a:highlight>
-                <a:srgbClr val="FFFFFF"/>
-              </a:highlight>
-            </a:endParaRPr>
-          </a:p>
-          <a:p>
-            <a:pPr indent="0" lvl="0" marL="0" rtl="0" algn="l">
-              <a:lnSpc>
-                <a:spcPct val="150000"/>
-              </a:lnSpc>
-              <a:spcBef>
-                <a:spcPts val="0"/>
-              </a:spcBef>
-              <a:spcAft>
-                <a:spcPts val="0"/>
-              </a:spcAft>
-              <a:buNone/>
-            </a:pPr>
-            <a:r>
-              <a:rPr lang="en" sz="1400">
-                <a:solidFill>
-                  <a:srgbClr val="000000"/>
-                </a:solidFill>
-                <a:highlight>
-                  <a:srgbClr val="FFFFFF"/>
-                </a:highlight>
-              </a:rPr>
-              <a:t>Instead of having 3-4 desktop apps for each purpose, you can have a single app consisting of all weavy's features which is a lot less development time, cross platform ready and easy to use.</a:t>
-            </a:r>
-            <a:endParaRPr sz="1400">
-              <a:solidFill>
-                <a:srgbClr val="000000"/>
-              </a:solidFill>
-              <a:highlight>
-                <a:srgbClr val="FFFFFF"/>
-              </a:highlight>
-            </a:endParaRPr>
-          </a:p>
-        </p:txBody>
-      </p:sp>
-      <p:sp>
-        <p:nvSpPr>
-          <p:cNvPr id="130" name="Google Shape;130;p21"/>
+          <p:cNvPr id="128" name="Google Shape;128;p21"/>
           <p:cNvSpPr txBox="1"/>
           <p:nvPr>
             <p:ph idx="12" type="sldNum"/>
@@ -9730,6 +9962,62 @@
           </a:p>
         </p:txBody>
       </p:sp>
+      <p:pic>
+        <p:nvPicPr>
+          <p:cNvPr id="129" name="Google Shape;129;p21"/>
+          <p:cNvPicPr preferRelativeResize="0"/>
+          <p:nvPr/>
+        </p:nvPicPr>
+        <p:blipFill>
+          <a:blip r:embed="rId3">
+            <a:alphaModFix/>
+          </a:blip>
+          <a:stretch>
+            <a:fillRect/>
+          </a:stretch>
+        </p:blipFill>
+        <p:spPr>
+          <a:xfrm>
+            <a:off x="152400" y="1251125"/>
+            <a:ext cx="4419603" cy="3270077"/>
+          </a:xfrm>
+          <a:prstGeom prst="rect">
+            <a:avLst/>
+          </a:prstGeom>
+          <a:noFill/>
+          <a:ln>
+            <a:noFill/>
+          </a:ln>
+        </p:spPr>
+      </p:pic>
+      <p:pic>
+        <p:nvPicPr>
+          <p:cNvPr id="130" name="Google Shape;130;p21"/>
+          <p:cNvPicPr preferRelativeResize="0"/>
+          <p:nvPr/>
+        </p:nvPicPr>
+        <p:blipFill>
+          <a:blip r:embed="rId4">
+            <a:alphaModFix/>
+          </a:blip>
+          <a:stretch>
+            <a:fillRect/>
+          </a:stretch>
+        </p:blipFill>
+        <p:spPr>
+          <a:xfrm>
+            <a:off x="4924325" y="1327325"/>
+            <a:ext cx="3785423" cy="3007877"/>
+          </a:xfrm>
+          <a:prstGeom prst="rect">
+            <a:avLst/>
+          </a:prstGeom>
+          <a:noFill/>
+          <a:ln>
+            <a:noFill/>
+          </a:ln>
+        </p:spPr>
+      </p:pic>
     </p:spTree>
   </p:cSld>
   <p:clrMapOvr>
